--- a/Week_01/内存参数关系图.pptx
+++ b/Week_01/内存参数关系图.pptx
@@ -262,7 +262,7 @@
           <a:p>
             <a:fld id="{9977AA1C-8F90-4D5A-959A-19CB91C91A27}" type="datetimeFigureOut">
               <a:rPr lang="en-US" smtClean="0"/>
-              <a:t>10/21/2020</a:t>
+              <a:t>10/28/2020</a:t>
             </a:fld>
             <a:endParaRPr lang="en-US"/>
           </a:p>
@@ -460,7 +460,7 @@
           <a:p>
             <a:fld id="{9977AA1C-8F90-4D5A-959A-19CB91C91A27}" type="datetimeFigureOut">
               <a:rPr lang="en-US" smtClean="0"/>
-              <a:t>10/21/2020</a:t>
+              <a:t>10/28/2020</a:t>
             </a:fld>
             <a:endParaRPr lang="en-US"/>
           </a:p>
@@ -668,7 +668,7 @@
           <a:p>
             <a:fld id="{9977AA1C-8F90-4D5A-959A-19CB91C91A27}" type="datetimeFigureOut">
               <a:rPr lang="en-US" smtClean="0"/>
-              <a:t>10/21/2020</a:t>
+              <a:t>10/28/2020</a:t>
             </a:fld>
             <a:endParaRPr lang="en-US"/>
           </a:p>
@@ -866,7 +866,7 @@
           <a:p>
             <a:fld id="{9977AA1C-8F90-4D5A-959A-19CB91C91A27}" type="datetimeFigureOut">
               <a:rPr lang="en-US" smtClean="0"/>
-              <a:t>10/21/2020</a:t>
+              <a:t>10/28/2020</a:t>
             </a:fld>
             <a:endParaRPr lang="en-US"/>
           </a:p>
@@ -1141,7 +1141,7 @@
           <a:p>
             <a:fld id="{9977AA1C-8F90-4D5A-959A-19CB91C91A27}" type="datetimeFigureOut">
               <a:rPr lang="en-US" smtClean="0"/>
-              <a:t>10/21/2020</a:t>
+              <a:t>10/28/2020</a:t>
             </a:fld>
             <a:endParaRPr lang="en-US"/>
           </a:p>
@@ -1406,7 +1406,7 @@
           <a:p>
             <a:fld id="{9977AA1C-8F90-4D5A-959A-19CB91C91A27}" type="datetimeFigureOut">
               <a:rPr lang="en-US" smtClean="0"/>
-              <a:t>10/21/2020</a:t>
+              <a:t>10/28/2020</a:t>
             </a:fld>
             <a:endParaRPr lang="en-US"/>
           </a:p>
@@ -1818,7 +1818,7 @@
           <a:p>
             <a:fld id="{9977AA1C-8F90-4D5A-959A-19CB91C91A27}" type="datetimeFigureOut">
               <a:rPr lang="en-US" smtClean="0"/>
-              <a:t>10/21/2020</a:t>
+              <a:t>10/28/2020</a:t>
             </a:fld>
             <a:endParaRPr lang="en-US"/>
           </a:p>
@@ -1959,7 +1959,7 @@
           <a:p>
             <a:fld id="{9977AA1C-8F90-4D5A-959A-19CB91C91A27}" type="datetimeFigureOut">
               <a:rPr lang="en-US" smtClean="0"/>
-              <a:t>10/21/2020</a:t>
+              <a:t>10/28/2020</a:t>
             </a:fld>
             <a:endParaRPr lang="en-US"/>
           </a:p>
@@ -2072,7 +2072,7 @@
           <a:p>
             <a:fld id="{9977AA1C-8F90-4D5A-959A-19CB91C91A27}" type="datetimeFigureOut">
               <a:rPr lang="en-US" smtClean="0"/>
-              <a:t>10/21/2020</a:t>
+              <a:t>10/28/2020</a:t>
             </a:fld>
             <a:endParaRPr lang="en-US"/>
           </a:p>
@@ -2383,7 +2383,7 @@
           <a:p>
             <a:fld id="{9977AA1C-8F90-4D5A-959A-19CB91C91A27}" type="datetimeFigureOut">
               <a:rPr lang="en-US" smtClean="0"/>
-              <a:t>10/21/2020</a:t>
+              <a:t>10/28/2020</a:t>
             </a:fld>
             <a:endParaRPr lang="en-US"/>
           </a:p>
@@ -2671,7 +2671,7 @@
           <a:p>
             <a:fld id="{9977AA1C-8F90-4D5A-959A-19CB91C91A27}" type="datetimeFigureOut">
               <a:rPr lang="en-US" smtClean="0"/>
-              <a:t>10/21/2020</a:t>
+              <a:t>10/28/2020</a:t>
             </a:fld>
             <a:endParaRPr lang="en-US"/>
           </a:p>
@@ -2912,7 +2912,7 @@
           <a:p>
             <a:fld id="{9977AA1C-8F90-4D5A-959A-19CB91C91A27}" type="datetimeFigureOut">
               <a:rPr lang="en-US" smtClean="0"/>
-              <a:t>10/21/2020</a:t>
+              <a:t>10/28/2020</a:t>
             </a:fld>
             <a:endParaRPr lang="en-US"/>
           </a:p>
@@ -3410,13 +3410,13 @@
         </p:nvSpPr>
         <p:spPr>
           <a:xfrm>
-            <a:off x="329937" y="179109"/>
-            <a:ext cx="11708092" cy="6325386"/>
+            <a:off x="103600" y="20673"/>
+            <a:ext cx="12088399" cy="6837327"/>
           </a:xfrm>
         </p:spPr>
         <p:txBody>
           <a:bodyPr>
-            <a:normAutofit/>
+            <a:noAutofit/>
           </a:bodyPr>
           <a:lstStyle/>
           <a:p>
@@ -3424,332 +3424,498 @@
               <a:buNone/>
             </a:pPr>
             <a:r>
-              <a:rPr lang="zh-CN" altLang="en-US" sz="2600" dirty="0"/>
+              <a:rPr lang="zh-CN" altLang="en-US" sz="2400" dirty="0"/>
               <a:t>一共画了两个图，尝试从两个角度解释以下内存参数的关系：</a:t>
             </a:r>
           </a:p>
           <a:p>
             <a:r>
-              <a:rPr lang="en-US" altLang="zh-CN" sz="2600" dirty="0"/>
+              <a:rPr lang="en-US" altLang="zh-CN" sz="2400" dirty="0"/>
               <a:t>-</a:t>
             </a:r>
             <a:r>
-              <a:rPr lang="en-US" altLang="zh-CN" sz="2600" dirty="0" err="1"/>
+              <a:rPr lang="en-US" altLang="zh-CN" sz="2400" dirty="0" err="1"/>
               <a:t>Xss</a:t>
             </a:r>
             <a:r>
-              <a:rPr lang="en-US" altLang="zh-CN" sz="2600" dirty="0"/>
+              <a:rPr lang="en-US" altLang="zh-CN" sz="2400" dirty="0"/>
               <a:t>, </a:t>
             </a:r>
             <a:r>
-              <a:rPr lang="zh-CN" altLang="en-US" sz="2600" dirty="0"/>
+              <a:rPr lang="zh-CN" altLang="en-US" sz="2400" dirty="0"/>
               <a:t>设置每个线程栈的字节数。 例如 </a:t>
             </a:r>
             <a:r>
-              <a:rPr lang="en-US" altLang="zh-CN" sz="2600" dirty="0"/>
+              <a:rPr lang="en-US" altLang="zh-CN" sz="2400" dirty="0"/>
               <a:t>-Xss1m </a:t>
             </a:r>
             <a:r>
-              <a:rPr lang="zh-CN" altLang="en-US" sz="2600" dirty="0"/>
+              <a:rPr lang="zh-CN" altLang="en-US" sz="2400" dirty="0"/>
               <a:t>指定线程栈为 </a:t>
             </a:r>
             <a:r>
-              <a:rPr lang="en-US" altLang="zh-CN" sz="2600" dirty="0"/>
+              <a:rPr lang="en-US" altLang="zh-CN" sz="2400" dirty="0"/>
               <a:t>1MB</a:t>
             </a:r>
             <a:r>
-              <a:rPr lang="zh-CN" altLang="en-US" sz="2600" dirty="0"/>
+              <a:rPr lang="zh-CN" altLang="en-US" sz="2400" dirty="0"/>
               <a:t>，与</a:t>
             </a:r>
             <a:r>
-              <a:rPr lang="en-US" altLang="zh-CN" sz="2600" dirty="0"/>
+              <a:rPr lang="en-US" altLang="zh-CN" sz="2400" dirty="0"/>
               <a:t>-</a:t>
             </a:r>
             <a:r>
-              <a:rPr lang="en-US" altLang="zh-CN" sz="2600" dirty="0" err="1"/>
+              <a:rPr lang="en-US" altLang="zh-CN" sz="2400" dirty="0" err="1"/>
               <a:t>XX:ThreadStackSize</a:t>
             </a:r>
             <a:r>
-              <a:rPr lang="en-US" altLang="zh-CN" sz="2600" dirty="0"/>
+              <a:rPr lang="en-US" altLang="zh-CN" sz="2400" dirty="0"/>
               <a:t>=1m </a:t>
             </a:r>
             <a:r>
-              <a:rPr lang="zh-CN" altLang="en-US" sz="2600" dirty="0"/>
+              <a:rPr lang="zh-CN" altLang="en-US" sz="2400" dirty="0"/>
               <a:t>等价。</a:t>
             </a:r>
           </a:p>
           <a:p>
             <a:r>
-              <a:rPr lang="en-US" altLang="zh-CN" sz="2600" dirty="0"/>
+              <a:rPr lang="en-US" altLang="zh-CN" sz="2400" dirty="0"/>
               <a:t>-</a:t>
             </a:r>
             <a:r>
-              <a:rPr lang="en-US" altLang="zh-CN" sz="2600" dirty="0" err="1"/>
+              <a:rPr lang="en-US" altLang="zh-CN" sz="2400" dirty="0" err="1"/>
               <a:t>Xmx</a:t>
             </a:r>
             <a:r>
-              <a:rPr lang="en-US" altLang="zh-CN" sz="2600" dirty="0"/>
+              <a:rPr lang="en-US" altLang="zh-CN" sz="2400" dirty="0"/>
               <a:t>, </a:t>
             </a:r>
             <a:r>
-              <a:rPr lang="zh-CN" altLang="en-US" sz="2600" dirty="0"/>
+              <a:rPr lang="zh-CN" altLang="en-US" sz="2400" dirty="0"/>
               <a:t>指定最大堆内存，如 </a:t>
             </a:r>
             <a:r>
-              <a:rPr lang="en-US" altLang="zh-CN" sz="2600" dirty="0"/>
+              <a:rPr lang="en-US" altLang="zh-CN" sz="2400" dirty="0"/>
               <a:t>-Xmx4g</a:t>
             </a:r>
             <a:r>
-              <a:rPr lang="zh-CN" altLang="en-US" sz="2600" dirty="0"/>
+              <a:rPr lang="zh-CN" altLang="en-US" sz="2400" dirty="0"/>
               <a:t>。这只是限制了 </a:t>
             </a:r>
             <a:r>
-              <a:rPr lang="en-US" altLang="zh-CN" sz="2600" dirty="0"/>
+              <a:rPr lang="en-US" altLang="zh-CN" sz="2400" dirty="0"/>
               <a:t>Heap </a:t>
             </a:r>
             <a:r>
-              <a:rPr lang="zh-CN" altLang="en-US" sz="2600" dirty="0"/>
+              <a:rPr lang="zh-CN" altLang="en-US" sz="2400" dirty="0"/>
               <a:t>部分的最大值为</a:t>
             </a:r>
             <a:r>
-              <a:rPr lang="en-US" altLang="zh-CN" sz="2600" dirty="0"/>
+              <a:rPr lang="en-US" altLang="zh-CN" sz="2400" dirty="0"/>
               <a:t>4g</a:t>
             </a:r>
             <a:r>
-              <a:rPr lang="zh-CN" altLang="en-US" sz="2600" dirty="0"/>
+              <a:rPr lang="zh-CN" altLang="en-US" sz="2400" dirty="0"/>
               <a:t>。这个内存不包括栈内存，也不包括堆外使用的内存。</a:t>
             </a:r>
           </a:p>
           <a:p>
             <a:r>
-              <a:rPr lang="en-US" altLang="zh-CN" sz="2600" dirty="0"/>
+              <a:rPr lang="en-US" altLang="zh-CN" sz="2400" dirty="0"/>
               <a:t>-</a:t>
             </a:r>
             <a:r>
-              <a:rPr lang="en-US" altLang="zh-CN" sz="2600" dirty="0" err="1"/>
+              <a:rPr lang="en-US" altLang="zh-CN" sz="2400" dirty="0" err="1"/>
               <a:t>Xms</a:t>
             </a:r>
             <a:r>
-              <a:rPr lang="en-US" altLang="zh-CN" sz="2600" dirty="0"/>
+              <a:rPr lang="en-US" altLang="zh-CN" sz="2400" dirty="0"/>
               <a:t>, </a:t>
             </a:r>
             <a:r>
-              <a:rPr lang="zh-CN" altLang="en-US" sz="2600" dirty="0"/>
+              <a:rPr lang="zh-CN" altLang="en-US" sz="2400" dirty="0"/>
               <a:t>指定堆内存空间的初始大小，如 </a:t>
             </a:r>
             <a:r>
-              <a:rPr lang="en-US" altLang="zh-CN" sz="2600" dirty="0"/>
+              <a:rPr lang="en-US" altLang="zh-CN" sz="2400" dirty="0"/>
               <a:t>-Xms4g</a:t>
             </a:r>
             <a:r>
-              <a:rPr lang="zh-CN" altLang="en-US" sz="2600" dirty="0"/>
+              <a:rPr lang="zh-CN" altLang="en-US" sz="2400" dirty="0"/>
               <a:t>。 而且指定的内存大小，并不是操作系统实际分配的初始值，而是</a:t>
             </a:r>
             <a:r>
-              <a:rPr lang="en-US" altLang="zh-CN" sz="2600" dirty="0"/>
+              <a:rPr lang="en-US" altLang="zh-CN" sz="2400" dirty="0"/>
               <a:t>GC</a:t>
             </a:r>
             <a:r>
-              <a:rPr lang="zh-CN" altLang="en-US" sz="2600" dirty="0"/>
+              <a:rPr lang="zh-CN" altLang="en-US" sz="2400" dirty="0"/>
               <a:t>先规划好，用到才分配。专用服务器上需要保持 </a:t>
             </a:r>
             <a:r>
-              <a:rPr lang="en-US" altLang="zh-CN" sz="2600" dirty="0"/>
+              <a:rPr lang="en-US" altLang="zh-CN" sz="2400" dirty="0"/>
               <a:t>–</a:t>
             </a:r>
             <a:r>
-              <a:rPr lang="en-US" altLang="zh-CN" sz="2600" dirty="0" err="1"/>
+              <a:rPr lang="en-US" altLang="zh-CN" sz="2400" dirty="0" err="1"/>
               <a:t>Xms</a:t>
             </a:r>
             <a:r>
-              <a:rPr lang="en-US" altLang="zh-CN" sz="2600" dirty="0"/>
+              <a:rPr lang="en-US" altLang="zh-CN" sz="2400" dirty="0"/>
               <a:t> </a:t>
             </a:r>
             <a:r>
-              <a:rPr lang="zh-CN" altLang="en-US" sz="2600" dirty="0"/>
+              <a:rPr lang="zh-CN" altLang="en-US" sz="2400" dirty="0"/>
               <a:t>和 </a:t>
             </a:r>
             <a:r>
-              <a:rPr lang="en-US" altLang="zh-CN" sz="2600" dirty="0"/>
+              <a:rPr lang="en-US" altLang="zh-CN" sz="2400" dirty="0"/>
               <a:t>–</a:t>
             </a:r>
             <a:r>
-              <a:rPr lang="en-US" altLang="zh-CN" sz="2600" dirty="0" err="1"/>
+              <a:rPr lang="en-US" altLang="zh-CN" sz="2400" dirty="0" err="1"/>
               <a:t>Xmx</a:t>
             </a:r>
             <a:r>
-              <a:rPr lang="en-US" altLang="zh-CN" sz="2600" dirty="0"/>
+              <a:rPr lang="en-US" altLang="zh-CN" sz="2400" dirty="0"/>
               <a:t> </a:t>
             </a:r>
             <a:r>
-              <a:rPr lang="zh-CN" altLang="en-US" sz="2600" dirty="0"/>
+              <a:rPr lang="zh-CN" altLang="en-US" sz="2400" dirty="0"/>
               <a:t>一致，否则应用刚启动可能就有好几个 </a:t>
             </a:r>
             <a:r>
-              <a:rPr lang="en-US" altLang="zh-CN" sz="2600" dirty="0" err="1"/>
+              <a:rPr lang="en-US" altLang="zh-CN" sz="2400" dirty="0" err="1"/>
               <a:t>FullGC</a:t>
             </a:r>
             <a:r>
-              <a:rPr lang="zh-CN" altLang="en-US" sz="2600" dirty="0"/>
+              <a:rPr lang="zh-CN" altLang="en-US" sz="2400" dirty="0"/>
               <a:t>。当两者配置不一致时，堆内存扩容可能会导致性能抖动。</a:t>
             </a:r>
           </a:p>
           <a:p>
             <a:r>
-              <a:rPr lang="en-US" altLang="zh-CN" sz="2600" dirty="0"/>
+              <a:rPr lang="en-US" altLang="zh-CN" sz="2400" dirty="0"/>
               <a:t>-</a:t>
             </a:r>
             <a:r>
-              <a:rPr lang="en-US" altLang="zh-CN" sz="2600" dirty="0" err="1"/>
+              <a:rPr lang="en-US" altLang="zh-CN" sz="2400" dirty="0" err="1"/>
               <a:t>Xmn</a:t>
             </a:r>
             <a:r>
-              <a:rPr lang="en-US" altLang="zh-CN" sz="2600" dirty="0"/>
+              <a:rPr lang="en-US" altLang="zh-CN" sz="2400" dirty="0"/>
               <a:t>, </a:t>
             </a:r>
             <a:r>
-              <a:rPr lang="zh-CN" altLang="en-US" sz="2600" dirty="0"/>
+              <a:rPr lang="zh-CN" altLang="en-US" sz="2400" dirty="0"/>
               <a:t>等价于 </a:t>
             </a:r>
             <a:r>
-              <a:rPr lang="en-US" altLang="zh-CN" sz="2600" dirty="0"/>
+              <a:rPr lang="en-US" altLang="zh-CN" sz="2400" dirty="0"/>
               <a:t>-</a:t>
             </a:r>
             <a:r>
-              <a:rPr lang="en-US" altLang="zh-CN" sz="2600" dirty="0" err="1"/>
+              <a:rPr lang="en-US" altLang="zh-CN" sz="2400" dirty="0" err="1"/>
               <a:t>XX:NewSize</a:t>
             </a:r>
             <a:r>
-              <a:rPr lang="zh-CN" altLang="en-US" sz="2600" dirty="0"/>
+              <a:rPr lang="zh-CN" altLang="en-US" sz="2400" dirty="0"/>
               <a:t>，年轻代内存。使用 </a:t>
             </a:r>
             <a:r>
-              <a:rPr lang="en-US" altLang="zh-CN" sz="2600" dirty="0"/>
+              <a:rPr lang="en-US" altLang="zh-CN" sz="2400" dirty="0"/>
               <a:t>G1 </a:t>
             </a:r>
             <a:r>
-              <a:rPr lang="zh-CN" altLang="en-US" sz="2600" dirty="0"/>
+              <a:rPr lang="zh-CN" altLang="en-US" sz="2400" dirty="0"/>
               <a:t>垃圾收集器 不应该 设置该选项，在其他的某些业务场景下可以设置。官方建议设置为 </a:t>
             </a:r>
             <a:r>
-              <a:rPr lang="en-US" altLang="zh-CN" sz="2600" dirty="0"/>
+              <a:rPr lang="en-US" altLang="zh-CN" sz="2400" dirty="0"/>
               <a:t>-</a:t>
             </a:r>
             <a:r>
-              <a:rPr lang="en-US" altLang="zh-CN" sz="2600" dirty="0" err="1"/>
+              <a:rPr lang="en-US" altLang="zh-CN" sz="2400" dirty="0" err="1"/>
               <a:t>Xmx</a:t>
             </a:r>
             <a:r>
-              <a:rPr lang="en-US" altLang="zh-CN" sz="2600" dirty="0"/>
+              <a:rPr lang="en-US" altLang="zh-CN" sz="2400" dirty="0"/>
               <a:t> </a:t>
             </a:r>
             <a:r>
-              <a:rPr lang="zh-CN" altLang="en-US" sz="2600" dirty="0"/>
+              <a:rPr lang="zh-CN" altLang="en-US" sz="2400" dirty="0"/>
               <a:t>的 </a:t>
             </a:r>
             <a:r>
-              <a:rPr lang="en-US" altLang="zh-CN" sz="2600" dirty="0"/>
+              <a:rPr lang="en-US" altLang="zh-CN" sz="2400" dirty="0"/>
               <a:t>1/2 ~ 1/4.</a:t>
             </a:r>
           </a:p>
           <a:p>
             <a:r>
-              <a:rPr lang="en-US" altLang="zh-CN" sz="2600" dirty="0"/>
+              <a:rPr lang="en-US" altLang="zh-CN" sz="2400" dirty="0"/>
               <a:t>-</a:t>
             </a:r>
             <a:r>
-              <a:rPr lang="en-US" altLang="zh-CN" sz="2600" dirty="0" err="1"/>
+              <a:rPr lang="en-US" altLang="zh-CN" sz="2400" dirty="0" err="1"/>
               <a:t>XX:MaxMetaspaceSize</a:t>
             </a:r>
             <a:r>
-              <a:rPr lang="en-US" altLang="zh-CN" sz="2600" dirty="0"/>
+              <a:rPr lang="en-US" altLang="zh-CN" sz="2400" dirty="0"/>
               <a:t>=size, Java8 </a:t>
             </a:r>
             <a:r>
-              <a:rPr lang="zh-CN" altLang="en-US" sz="2600" dirty="0"/>
+              <a:rPr lang="zh-CN" altLang="en-US" sz="2400" dirty="0"/>
               <a:t>默认不限制 </a:t>
             </a:r>
             <a:r>
-              <a:rPr lang="en-US" altLang="zh-CN" sz="2600" dirty="0"/>
+              <a:rPr lang="en-US" altLang="zh-CN" sz="2400" dirty="0"/>
               <a:t>Meta </a:t>
             </a:r>
             <a:r>
-              <a:rPr lang="zh-CN" altLang="en-US" sz="2600" dirty="0"/>
+              <a:rPr lang="zh-CN" altLang="en-US" sz="2400" dirty="0"/>
               <a:t>空间</a:t>
             </a:r>
             <a:r>
-              <a:rPr lang="en-US" altLang="zh-CN" sz="2600" dirty="0"/>
+              <a:rPr lang="en-US" altLang="zh-CN" sz="2400" dirty="0"/>
               <a:t>, </a:t>
             </a:r>
             <a:r>
-              <a:rPr lang="zh-CN" altLang="en-US" sz="2600" dirty="0"/>
+              <a:rPr lang="zh-CN" altLang="en-US" sz="2400" dirty="0"/>
               <a:t>一般不允许设置该选项。</a:t>
             </a:r>
             <a:r>
-              <a:rPr lang="en-US" altLang="zh-CN" sz="2600" dirty="0"/>
+              <a:rPr lang="en-US" altLang="zh-CN" sz="2400" dirty="0"/>
               <a:t>JDK1.7</a:t>
             </a:r>
             <a:r>
-              <a:rPr lang="zh-CN" altLang="en-US" sz="2600" dirty="0"/>
+              <a:rPr lang="zh-CN" altLang="en-US" sz="2400" dirty="0"/>
               <a:t>之前使用</a:t>
             </a:r>
             <a:r>
-              <a:rPr lang="en-US" altLang="zh-CN" sz="2600" dirty="0"/>
+              <a:rPr lang="en-US" altLang="zh-CN" sz="2400" dirty="0"/>
               <a:t>-</a:t>
             </a:r>
             <a:r>
-              <a:rPr lang="en-US" altLang="zh-CN" sz="2600" dirty="0" err="1"/>
+              <a:rPr lang="en-US" altLang="zh-CN" sz="2400" dirty="0" err="1"/>
               <a:t>XX:MaxPermSize</a:t>
             </a:r>
             <a:r>
-              <a:rPr lang="en-US" altLang="zh-CN" sz="2600" dirty="0"/>
+              <a:rPr lang="en-US" altLang="zh-CN" sz="2400" dirty="0"/>
               <a:t>=size</a:t>
             </a:r>
             <a:r>
-              <a:rPr lang="zh-CN" altLang="en-US" sz="2600" dirty="0"/>
+              <a:rPr lang="zh-CN" altLang="en-US" sz="2400" dirty="0"/>
               <a:t>。</a:t>
             </a:r>
           </a:p>
           <a:p>
             <a:r>
-              <a:rPr lang="en-US" altLang="zh-CN" sz="2600" dirty="0"/>
+              <a:rPr lang="en-US" altLang="zh-CN" sz="2400" dirty="0"/>
               <a:t>-</a:t>
             </a:r>
             <a:r>
-              <a:rPr lang="en-US" altLang="zh-CN" sz="2600" dirty="0" err="1"/>
+              <a:rPr lang="en-US" altLang="zh-CN" sz="2400" dirty="0" err="1"/>
               <a:t>XX:MaxDirectMemorySize</a:t>
             </a:r>
             <a:r>
-              <a:rPr lang="en-US" altLang="zh-CN" sz="2600"/>
+              <a:rPr lang="en-US" altLang="zh-CN" sz="2400" dirty="0"/>
               <a:t>=size</a:t>
             </a:r>
             <a:r>
-              <a:rPr lang="zh-CN" altLang="en-US" sz="2600"/>
-              <a:t>，</a:t>
-            </a:r>
-            <a:r>
-              <a:rPr lang="zh-CN" altLang="en-US" sz="2600" dirty="0"/>
-              <a:t>系统可以使用的最大堆外内存，这个参数跟 </a:t>
-            </a:r>
-            <a:r>
-              <a:rPr lang="en-US" altLang="zh-CN" sz="2600" dirty="0"/>
+              <a:rPr lang="zh-CN" altLang="en-US" sz="2400" dirty="0"/>
+              <a:t>，系统可以使用的最大堆外内存，这个参数跟 </a:t>
+            </a:r>
+            <a:r>
+              <a:rPr lang="en-US" altLang="zh-CN" sz="2400" dirty="0"/>
               <a:t>-</a:t>
             </a:r>
             <a:r>
-              <a:rPr lang="en-US" altLang="zh-CN" sz="2600" dirty="0" err="1"/>
+              <a:rPr lang="en-US" altLang="zh-CN" sz="2400" dirty="0" err="1"/>
               <a:t>Dsun.nio.MaxDirectMemorySize</a:t>
             </a:r>
             <a:r>
-              <a:rPr lang="en-US" altLang="zh-CN" sz="2600" dirty="0"/>
+              <a:rPr lang="en-US" altLang="zh-CN" sz="2400" dirty="0"/>
               <a:t> </a:t>
             </a:r>
             <a:r>
-              <a:rPr lang="zh-CN" altLang="en-US" sz="2600" dirty="0"/>
+              <a:rPr lang="zh-CN" altLang="en-US" sz="2400" dirty="0"/>
               <a:t>效果相同。</a:t>
             </a:r>
-          </a:p>
-          <a:p>
-            <a:endParaRPr lang="en-US" dirty="0"/>
+            <a:r>
+              <a:rPr lang="zh-CN" altLang="en-US" sz="2400" b="0" dirty="0">
+                <a:solidFill>
+                  <a:srgbClr val="333333"/>
+                </a:solidFill>
+                <a:effectLst/>
+              </a:rPr>
+              <a:t>是</a:t>
+            </a:r>
+            <a:r>
+              <a:rPr lang="en-US" sz="2400" b="0" dirty="0">
+                <a:solidFill>
+                  <a:srgbClr val="333333"/>
+                </a:solidFill>
+                <a:effectLst/>
+              </a:rPr>
+              <a:t>JVM</a:t>
+            </a:r>
+            <a:r>
+              <a:rPr lang="zh-CN" altLang="en-US" sz="2400" b="0" dirty="0">
+                <a:solidFill>
+                  <a:srgbClr val="333333"/>
+                </a:solidFill>
+                <a:effectLst/>
+              </a:rPr>
+              <a:t>用于处理</a:t>
+            </a:r>
+            <a:r>
+              <a:rPr lang="en-US" sz="2400" b="0" dirty="0">
+                <a:solidFill>
+                  <a:srgbClr val="333333"/>
+                </a:solidFill>
+                <a:effectLst/>
+              </a:rPr>
+              <a:t>IO</a:t>
+            </a:r>
+            <a:r>
+              <a:rPr lang="zh-CN" altLang="en-US" sz="2400" b="0" dirty="0">
+                <a:solidFill>
+                  <a:srgbClr val="333333"/>
+                </a:solidFill>
+                <a:effectLst/>
+              </a:rPr>
+              <a:t>的</a:t>
+            </a:r>
+            <a:r>
+              <a:rPr lang="en-US" sz="2400" b="0" dirty="0">
+                <a:solidFill>
+                  <a:srgbClr val="333333"/>
+                </a:solidFill>
+                <a:effectLst/>
+              </a:rPr>
+              <a:t>buffer。</a:t>
+            </a:r>
+          </a:p>
+          <a:p>
+            <a:pPr marL="0" indent="0">
+              <a:buNone/>
+            </a:pPr>
+            <a:r>
+              <a:rPr lang="zh-CN" altLang="en-US" sz="2400" b="1" dirty="0">
+                <a:solidFill>
+                  <a:srgbClr val="333333"/>
+                </a:solidFill>
+                <a:effectLst/>
+              </a:rPr>
+              <a:t>注意</a:t>
+            </a:r>
+            <a:r>
+              <a:rPr lang="zh-CN" altLang="en-US" sz="2400" b="0" dirty="0">
+                <a:solidFill>
+                  <a:srgbClr val="333333"/>
+                </a:solidFill>
+                <a:effectLst/>
+              </a:rPr>
+              <a:t>：</a:t>
+            </a:r>
+            <a:r>
+              <a:rPr lang="en-US" sz="2400" b="0" dirty="0">
+                <a:solidFill>
+                  <a:srgbClr val="333333"/>
+                </a:solidFill>
+                <a:effectLst/>
+              </a:rPr>
+              <a:t>Native </a:t>
+            </a:r>
+            <a:r>
+              <a:rPr lang="zh-CN" altLang="en-US" sz="2400" b="0" dirty="0">
+                <a:solidFill>
+                  <a:srgbClr val="333333"/>
+                </a:solidFill>
+                <a:effectLst/>
+              </a:rPr>
+              <a:t>是</a:t>
+            </a:r>
+            <a:r>
+              <a:rPr lang="en-US" sz="2400" b="0" dirty="0">
+                <a:solidFill>
+                  <a:srgbClr val="333333"/>
+                </a:solidFill>
+                <a:effectLst/>
+              </a:rPr>
+              <a:t>Java</a:t>
+            </a:r>
+            <a:r>
+              <a:rPr lang="zh-CN" altLang="en-US" sz="2400" b="0" dirty="0">
+                <a:solidFill>
+                  <a:srgbClr val="333333"/>
+                </a:solidFill>
+                <a:effectLst/>
+              </a:rPr>
+              <a:t>用本地语言调用时所使用的内存。</a:t>
+            </a:r>
+            <a:r>
+              <a:rPr lang="en-US" sz="2400" b="0" dirty="0">
+                <a:solidFill>
+                  <a:srgbClr val="333333"/>
+                </a:solidFill>
+                <a:effectLst/>
+              </a:rPr>
+              <a:t>Direct Memory</a:t>
+            </a:r>
+            <a:r>
+              <a:rPr lang="zh-CN" altLang="en-US" sz="2400" b="0" dirty="0">
+                <a:solidFill>
+                  <a:srgbClr val="333333"/>
+                </a:solidFill>
+                <a:effectLst/>
+              </a:rPr>
+              <a:t>和</a:t>
+            </a:r>
+            <a:r>
+              <a:rPr lang="en-US" sz="2400" b="0" dirty="0">
+                <a:solidFill>
+                  <a:srgbClr val="333333"/>
+                </a:solidFill>
+                <a:effectLst/>
+              </a:rPr>
+              <a:t>Native</a:t>
+            </a:r>
+            <a:r>
+              <a:rPr lang="zh-CN" altLang="en-US" sz="2400" b="0" dirty="0">
+                <a:solidFill>
+                  <a:srgbClr val="333333"/>
+                </a:solidFill>
+                <a:effectLst/>
+              </a:rPr>
+              <a:t>都不会被 </a:t>
+            </a:r>
+            <a:r>
+              <a:rPr lang="en-US" sz="2400" b="0" dirty="0">
+                <a:solidFill>
+                  <a:srgbClr val="333333"/>
+                </a:solidFill>
+                <a:effectLst/>
+              </a:rPr>
+              <a:t>GC </a:t>
+            </a:r>
+            <a:r>
+              <a:rPr lang="zh-CN" altLang="en-US" sz="2400" b="0" dirty="0">
+                <a:solidFill>
+                  <a:srgbClr val="333333"/>
+                </a:solidFill>
+                <a:effectLst/>
+              </a:rPr>
+              <a:t>回收。</a:t>
+            </a:r>
+          </a:p>
+          <a:p>
+            <a:endParaRPr lang="zh-CN" altLang="en-US" sz="2400" dirty="0"/>
+          </a:p>
+          <a:p>
+            <a:endParaRPr lang="en-US" sz="2400" dirty="0"/>
           </a:p>
         </p:txBody>
       </p:sp>
@@ -3925,8 +4091,8 @@
         </p:nvSpPr>
         <p:spPr>
           <a:xfrm>
-            <a:off x="1132789" y="94268"/>
-            <a:ext cx="2521670" cy="1168924"/>
+            <a:off x="1132789" y="111001"/>
+            <a:ext cx="2521670" cy="1144576"/>
           </a:xfrm>
           <a:prstGeom prst="roundRect">
             <a:avLst/>
@@ -4027,8 +4193,8 @@
         </p:nvSpPr>
         <p:spPr>
           <a:xfrm>
-            <a:off x="473315" y="1905785"/>
-            <a:ext cx="1732960" cy="1163425"/>
+            <a:off x="473315" y="1941535"/>
+            <a:ext cx="1732960" cy="1095480"/>
           </a:xfrm>
           <a:prstGeom prst="roundRect">
             <a:avLst/>
@@ -4083,8 +4249,8 @@
         </p:nvSpPr>
         <p:spPr>
           <a:xfrm>
-            <a:off x="3820996" y="1914032"/>
-            <a:ext cx="2212941" cy="1163425"/>
+            <a:off x="3820996" y="1941535"/>
+            <a:ext cx="2212941" cy="1093907"/>
           </a:xfrm>
           <a:prstGeom prst="roundRect">
             <a:avLst/>
@@ -4227,8 +4393,8 @@
         </p:nvSpPr>
         <p:spPr>
           <a:xfrm>
-            <a:off x="6233071" y="1907747"/>
-            <a:ext cx="1696036" cy="1163425"/>
+            <a:off x="6173507" y="1941535"/>
+            <a:ext cx="1263198" cy="1093907"/>
           </a:xfrm>
           <a:prstGeom prst="roundRect">
             <a:avLst/>
@@ -4286,8 +4452,8 @@
         </p:nvSpPr>
         <p:spPr>
           <a:xfrm>
-            <a:off x="10688812" y="1905785"/>
-            <a:ext cx="1170100" cy="1168924"/>
+            <a:off x="10963634" y="1941535"/>
+            <a:ext cx="895277" cy="1093907"/>
           </a:xfrm>
           <a:prstGeom prst="roundRect">
             <a:avLst/>
@@ -4405,8 +4571,8 @@
         </p:nvSpPr>
         <p:spPr>
           <a:xfrm>
-            <a:off x="525945" y="3726731"/>
-            <a:ext cx="1476862" cy="1168924"/>
+            <a:off x="525945" y="3765533"/>
+            <a:ext cx="1476862" cy="1097437"/>
           </a:xfrm>
           <a:prstGeom prst="snipRoundRect">
             <a:avLst/>
@@ -4506,8 +4672,8 @@
         </p:nvSpPr>
         <p:spPr>
           <a:xfrm>
-            <a:off x="2266764" y="3726731"/>
-            <a:ext cx="1476862" cy="1168924"/>
+            <a:off x="2266764" y="3765533"/>
+            <a:ext cx="1476862" cy="1097437"/>
           </a:xfrm>
           <a:prstGeom prst="snipRoundRect">
             <a:avLst/>
@@ -4667,8 +4833,8 @@
         </p:nvSpPr>
         <p:spPr>
           <a:xfrm>
-            <a:off x="3205316" y="5348143"/>
-            <a:ext cx="2092548" cy="1168924"/>
+            <a:off x="3205316" y="5386945"/>
+            <a:ext cx="2092548" cy="1103488"/>
           </a:xfrm>
           <a:prstGeom prst="roundRect">
             <a:avLst/>
@@ -4765,8 +4931,8 @@
         </p:nvSpPr>
         <p:spPr>
           <a:xfrm>
-            <a:off x="5765670" y="5348144"/>
-            <a:ext cx="1926602" cy="1168924"/>
+            <a:off x="5765670" y="5413578"/>
+            <a:ext cx="1926602" cy="1076855"/>
           </a:xfrm>
           <a:prstGeom prst="roundRect">
             <a:avLst/>
@@ -4878,8 +5044,8 @@
         </p:nvSpPr>
         <p:spPr>
           <a:xfrm>
-            <a:off x="6299456" y="3726731"/>
-            <a:ext cx="2479247" cy="1168924"/>
+            <a:off x="6299456" y="3765533"/>
+            <a:ext cx="2479247" cy="1097437"/>
           </a:xfrm>
           <a:prstGeom prst="roundRect">
             <a:avLst/>
@@ -4957,8 +5123,8 @@
         </p:nvSpPr>
         <p:spPr>
           <a:xfrm>
-            <a:off x="8570131" y="3711803"/>
-            <a:ext cx="1594337" cy="1168924"/>
+            <a:off x="8570131" y="3765533"/>
+            <a:ext cx="1594337" cy="1097437"/>
           </a:xfrm>
           <a:prstGeom prst="roundRect">
             <a:avLst/>
@@ -5027,8 +5193,8 @@
         </p:nvSpPr>
         <p:spPr>
           <a:xfrm>
-            <a:off x="10402876" y="3726731"/>
-            <a:ext cx="1431687" cy="1168924"/>
+            <a:off x="10402876" y="3765533"/>
+            <a:ext cx="1431687" cy="1097437"/>
           </a:xfrm>
           <a:prstGeom prst="roundRect">
             <a:avLst/>
@@ -5086,8 +5252,8 @@
         </p:nvSpPr>
         <p:spPr>
           <a:xfrm>
-            <a:off x="2242815" y="1253765"/>
-            <a:ext cx="367648" cy="661448"/>
+            <a:off x="2242815" y="1253763"/>
+            <a:ext cx="367648" cy="661450"/>
           </a:xfrm>
           <a:prstGeom prst="downArrow">
             <a:avLst/>
@@ -5135,8 +5301,8 @@
         </p:nvSpPr>
         <p:spPr>
           <a:xfrm>
-            <a:off x="4823780" y="3080205"/>
-            <a:ext cx="367648" cy="2267938"/>
+            <a:off x="4823780" y="3035442"/>
+            <a:ext cx="367648" cy="2312701"/>
           </a:xfrm>
           <a:prstGeom prst="downArrow">
             <a:avLst/>
@@ -5184,8 +5350,8 @@
         </p:nvSpPr>
         <p:spPr>
           <a:xfrm>
-            <a:off x="6881171" y="3081776"/>
-            <a:ext cx="367648" cy="630027"/>
+            <a:off x="6628731" y="3035442"/>
+            <a:ext cx="367648" cy="676361"/>
           </a:xfrm>
           <a:prstGeom prst="downArrow">
             <a:avLst/>
@@ -5233,8 +5399,8 @@
         </p:nvSpPr>
         <p:spPr>
           <a:xfrm>
-            <a:off x="1070743" y="3113986"/>
-            <a:ext cx="367648" cy="630027"/>
+            <a:off x="1070743" y="3035442"/>
+            <a:ext cx="367648" cy="708571"/>
           </a:xfrm>
           <a:prstGeom prst="downArrow">
             <a:avLst/>
@@ -5282,8 +5448,8 @@
         </p:nvSpPr>
         <p:spPr>
           <a:xfrm>
-            <a:off x="8099960" y="1904212"/>
-            <a:ext cx="2382623" cy="1168924"/>
+            <a:off x="7576275" y="1941535"/>
+            <a:ext cx="2212942" cy="1093907"/>
           </a:xfrm>
           <a:prstGeom prst="roundRect">
             <a:avLst/>
@@ -5363,6 +5529,64 @@
                 <a:srgbClr val="FF0000"/>
               </a:solidFill>
             </a:endParaRPr>
+          </a:p>
+        </p:txBody>
+      </p:sp>
+      <p:sp>
+        <p:nvSpPr>
+          <p:cNvPr id="2" name="Rectangle: Rounded Corners 1">
+            <a:extLst>
+              <a:ext uri="{FF2B5EF4-FFF2-40B4-BE49-F238E27FC236}">
+                <a16:creationId xmlns:a16="http://schemas.microsoft.com/office/drawing/2014/main" id="{CBE06A2D-0137-4900-801E-3FC87B06247D}"/>
+              </a:ext>
+            </a:extLst>
+          </p:cNvPr>
+          <p:cNvSpPr/>
+          <p:nvPr/>
+        </p:nvSpPr>
+        <p:spPr>
+          <a:xfrm>
+            <a:off x="9928787" y="1941535"/>
+            <a:ext cx="895276" cy="1093907"/>
+          </a:xfrm>
+          <a:prstGeom prst="roundRect">
+            <a:avLst/>
+          </a:prstGeom>
+          <a:solidFill>
+            <a:schemeClr val="accent6">
+              <a:lumMod val="20000"/>
+              <a:lumOff val="80000"/>
+            </a:schemeClr>
+          </a:solidFill>
+          <a:ln/>
+        </p:spPr>
+        <p:style>
+          <a:lnRef idx="1">
+            <a:schemeClr val="accent4"/>
+          </a:lnRef>
+          <a:fillRef idx="2">
+            <a:schemeClr val="accent4"/>
+          </a:fillRef>
+          <a:effectRef idx="1">
+            <a:schemeClr val="accent4"/>
+          </a:effectRef>
+          <a:fontRef idx="minor">
+            <a:schemeClr val="dk1"/>
+          </a:fontRef>
+        </p:style>
+        <p:txBody>
+          <a:bodyPr rtlCol="0" anchor="ctr"/>
+          <a:lstStyle/>
+          <a:p>
+            <a:pPr algn="ctr"/>
+            <a:r>
+              <a:rPr lang="en-US" dirty="0">
+                <a:solidFill>
+                  <a:srgbClr val="FF0000"/>
+                </a:solidFill>
+              </a:rPr>
+              <a:t>Native</a:t>
+            </a:r>
           </a:p>
         </p:txBody>
       </p:sp>
@@ -5412,7 +5636,7 @@
         </p:nvCxnSpPr>
         <p:spPr>
           <a:xfrm flipH="1">
-            <a:off x="3026500" y="3627003"/>
+            <a:off x="3026500" y="3401727"/>
             <a:ext cx="10995" cy="1868231"/>
           </a:xfrm>
           <a:prstGeom prst="line">
@@ -5455,8 +5679,8 @@
         </p:nvSpPr>
         <p:spPr>
           <a:xfrm>
-            <a:off x="4807671" y="70694"/>
-            <a:ext cx="4430599" cy="6730743"/>
+            <a:off x="4807671" y="70695"/>
+            <a:ext cx="4430599" cy="6687054"/>
           </a:xfrm>
           <a:prstGeom prst="roundRect">
             <a:avLst>
@@ -5501,8 +5725,8 @@
         </p:nvSpPr>
         <p:spPr>
           <a:xfrm>
-            <a:off x="5231871" y="1282045"/>
-            <a:ext cx="3582185" cy="5448698"/>
+            <a:off x="5231871" y="1110037"/>
+            <a:ext cx="3582185" cy="5567614"/>
           </a:xfrm>
           <a:prstGeom prst="roundRect">
             <a:avLst>
@@ -5549,7 +5773,7 @@
         </p:nvSpPr>
         <p:spPr>
           <a:xfrm>
-            <a:off x="5567111" y="1472148"/>
+            <a:off x="5567111" y="1246872"/>
             <a:ext cx="2911703" cy="586031"/>
           </a:xfrm>
           <a:prstGeom prst="roundRect">
@@ -5598,7 +5822,7 @@
         </p:nvSpPr>
         <p:spPr>
           <a:xfrm>
-            <a:off x="5567114" y="2162073"/>
+            <a:off x="5567114" y="1936797"/>
             <a:ext cx="2911703" cy="1312686"/>
           </a:xfrm>
           <a:prstGeom prst="roundRect">
@@ -5642,8 +5866,8 @@
         </p:nvSpPr>
         <p:spPr>
           <a:xfrm>
-            <a:off x="5567114" y="5717345"/>
-            <a:ext cx="2911703" cy="391211"/>
+            <a:off x="5567114" y="5392487"/>
+            <a:ext cx="2911703" cy="318892"/>
           </a:xfrm>
           <a:prstGeom prst="roundRect">
             <a:avLst/>
@@ -5689,7 +5913,7 @@
         </p:nvSpPr>
         <p:spPr>
           <a:xfrm>
-            <a:off x="5759383" y="2901099"/>
+            <a:off x="5759383" y="2675823"/>
             <a:ext cx="2564486" cy="503941"/>
           </a:xfrm>
           <a:prstGeom prst="roundRect">
@@ -5736,7 +5960,7 @@
         </p:nvSpPr>
         <p:spPr>
           <a:xfrm>
-            <a:off x="5567115" y="3646309"/>
+            <a:off x="5567115" y="3421033"/>
             <a:ext cx="2911703" cy="1830667"/>
           </a:xfrm>
           <a:prstGeom prst="roundRect">
@@ -5783,7 +6007,7 @@
         </p:nvSpPr>
         <p:spPr>
           <a:xfrm>
-            <a:off x="5759383" y="3822171"/>
+            <a:off x="5759383" y="3596895"/>
             <a:ext cx="2564486" cy="388075"/>
           </a:xfrm>
           <a:prstGeom prst="roundRect">
@@ -5830,7 +6054,7 @@
         </p:nvSpPr>
         <p:spPr>
           <a:xfrm>
-            <a:off x="5759383" y="4388957"/>
+            <a:off x="5759383" y="4163681"/>
             <a:ext cx="2564486" cy="388075"/>
           </a:xfrm>
           <a:prstGeom prst="roundRect">
@@ -5895,7 +6119,7 @@
         </p:nvSpPr>
         <p:spPr>
           <a:xfrm>
-            <a:off x="5759383" y="4955742"/>
+            <a:off x="5759383" y="4730466"/>
             <a:ext cx="2564486" cy="388075"/>
           </a:xfrm>
           <a:prstGeom prst="roundRect">
@@ -5952,8 +6176,8 @@
         </p:nvSpPr>
         <p:spPr>
           <a:xfrm>
-            <a:off x="5567110" y="6229702"/>
-            <a:ext cx="2911703" cy="391211"/>
+            <a:off x="5567110" y="6231289"/>
+            <a:ext cx="2911703" cy="320857"/>
           </a:xfrm>
           <a:prstGeom prst="roundRect">
             <a:avLst/>
@@ -6013,8 +6237,8 @@
         </p:nvSpPr>
         <p:spPr>
           <a:xfrm>
-            <a:off x="5231871" y="155538"/>
-            <a:ext cx="3582185" cy="1050893"/>
+            <a:off x="5231871" y="155539"/>
+            <a:ext cx="3582185" cy="814864"/>
           </a:xfrm>
           <a:prstGeom prst="roundRect">
             <a:avLst/>
@@ -6060,7 +6284,7 @@
         </p:nvSpPr>
         <p:spPr>
           <a:xfrm>
-            <a:off x="9356693" y="1472148"/>
+            <a:off x="9356693" y="1246872"/>
             <a:ext cx="2737897" cy="451120"/>
           </a:xfrm>
           <a:prstGeom prst="wedgeRoundRectCallout">
@@ -6129,7 +6353,7 @@
         </p:nvSpPr>
         <p:spPr>
           <a:xfrm>
-            <a:off x="9356691" y="2873797"/>
+            <a:off x="9356691" y="2648521"/>
             <a:ext cx="2737898" cy="418906"/>
           </a:xfrm>
           <a:prstGeom prst="wedgeRoundRectCallout">
@@ -6198,7 +6422,7 @@
         </p:nvSpPr>
         <p:spPr>
           <a:xfrm>
-            <a:off x="9356692" y="2058179"/>
+            <a:off x="9356692" y="1832903"/>
             <a:ext cx="2737898" cy="660082"/>
           </a:xfrm>
           <a:prstGeom prst="wedgeRoundRectCallout">
@@ -6291,7 +6515,7 @@
         </p:nvSpPr>
         <p:spPr>
           <a:xfrm>
-            <a:off x="9356691" y="3720834"/>
+            <a:off x="9356691" y="3495558"/>
             <a:ext cx="2737899" cy="418906"/>
           </a:xfrm>
           <a:prstGeom prst="wedgeRoundRectCallout">
@@ -6356,7 +6580,7 @@
         </p:nvSpPr>
         <p:spPr>
           <a:xfrm>
-            <a:off x="9263994" y="5655673"/>
+            <a:off x="9309259" y="5294602"/>
             <a:ext cx="2830596" cy="418906"/>
           </a:xfrm>
           <a:prstGeom prst="wedgeRoundRectCallout">
@@ -6423,7 +6647,7 @@
         </p:nvCxnSpPr>
         <p:spPr>
           <a:xfrm flipH="1">
-            <a:off x="772995" y="70694"/>
+            <a:off x="772995" y="79572"/>
             <a:ext cx="5033916" cy="0"/>
           </a:xfrm>
           <a:prstGeom prst="line">
@@ -6467,7 +6691,7 @@
         </p:nvCxnSpPr>
         <p:spPr>
           <a:xfrm flipH="1" flipV="1">
-            <a:off x="791850" y="6801438"/>
+            <a:off x="801277" y="6748511"/>
             <a:ext cx="5213024" cy="25934"/>
           </a:xfrm>
           <a:prstGeom prst="line">
@@ -6512,7 +6736,7 @@
         <p:spPr>
           <a:xfrm>
             <a:off x="801276" y="70694"/>
-            <a:ext cx="0" cy="6730743"/>
+            <a:ext cx="0" cy="6686354"/>
           </a:xfrm>
           <a:prstGeom prst="line">
             <a:avLst/>
@@ -6615,7 +6839,7 @@
         </p:nvCxnSpPr>
         <p:spPr>
           <a:xfrm flipH="1">
-            <a:off x="1785796" y="1282045"/>
+            <a:off x="1785796" y="1110037"/>
             <a:ext cx="4388761" cy="0"/>
           </a:xfrm>
           <a:prstGeom prst="line">
@@ -6659,7 +6883,7 @@
         </p:nvCxnSpPr>
         <p:spPr>
           <a:xfrm flipH="1">
-            <a:off x="1785796" y="6730743"/>
+            <a:off x="1785796" y="6668071"/>
             <a:ext cx="4228505" cy="0"/>
           </a:xfrm>
           <a:prstGeom prst="line">
@@ -6703,8 +6927,8 @@
         </p:nvCxnSpPr>
         <p:spPr>
           <a:xfrm>
-            <a:off x="1785796" y="1282045"/>
-            <a:ext cx="0" cy="5448698"/>
+            <a:off x="1785796" y="1110037"/>
+            <a:ext cx="0" cy="5567614"/>
           </a:xfrm>
           <a:prstGeom prst="line">
             <a:avLst/>
@@ -6748,7 +6972,7 @@
         </p:nvSpPr>
         <p:spPr>
           <a:xfrm>
-            <a:off x="1240417" y="3274872"/>
+            <a:off x="1240417" y="3102864"/>
             <a:ext cx="1206627" cy="942641"/>
           </a:xfrm>
           <a:prstGeom prst="rect">
@@ -6809,7 +7033,7 @@
         </p:nvCxnSpPr>
         <p:spPr>
           <a:xfrm flipH="1">
-            <a:off x="3029635" y="2173070"/>
+            <a:off x="3029635" y="1947794"/>
             <a:ext cx="3946003" cy="0"/>
           </a:xfrm>
           <a:prstGeom prst="line">
@@ -6853,7 +7077,7 @@
         </p:nvCxnSpPr>
         <p:spPr>
           <a:xfrm flipH="1">
-            <a:off x="3010780" y="3474759"/>
+            <a:off x="3010780" y="3249483"/>
             <a:ext cx="3944929" cy="0"/>
           </a:xfrm>
           <a:prstGeom prst="line">
@@ -6897,7 +7121,7 @@
         </p:nvCxnSpPr>
         <p:spPr>
           <a:xfrm>
-            <a:off x="3026500" y="2162073"/>
+            <a:off x="3026500" y="1936797"/>
             <a:ext cx="0" cy="1312686"/>
           </a:xfrm>
           <a:prstGeom prst="line">
@@ -6940,7 +7164,7 @@
         </p:nvSpPr>
         <p:spPr>
           <a:xfrm>
-            <a:off x="2492310" y="2573017"/>
+            <a:off x="2492310" y="2347741"/>
             <a:ext cx="1206627" cy="469363"/>
           </a:xfrm>
           <a:prstGeom prst="rect">
@@ -6994,7 +7218,7 @@
         </p:nvCxnSpPr>
         <p:spPr>
           <a:xfrm flipH="1">
-            <a:off x="3026500" y="3646013"/>
+            <a:off x="3026500" y="3420737"/>
             <a:ext cx="4166452" cy="0"/>
           </a:xfrm>
           <a:prstGeom prst="line">
@@ -7038,7 +7262,7 @@
         </p:nvCxnSpPr>
         <p:spPr>
           <a:xfrm flipH="1">
-            <a:off x="3037495" y="5495234"/>
+            <a:off x="3037495" y="5269958"/>
             <a:ext cx="4166452" cy="0"/>
           </a:xfrm>
           <a:prstGeom prst="line">
@@ -7080,7 +7304,7 @@
         </p:nvSpPr>
         <p:spPr>
           <a:xfrm>
-            <a:off x="2492310" y="4365783"/>
+            <a:off x="2492310" y="4140507"/>
             <a:ext cx="1206627" cy="469363"/>
           </a:xfrm>
           <a:prstGeom prst="rect">
@@ -7114,6 +7338,55 @@
             <a:r>
               <a:rPr lang="en-US" dirty="0"/>
               <a:t>Non-Heap</a:t>
+            </a:r>
+          </a:p>
+        </p:txBody>
+      </p:sp>
+      <p:sp>
+        <p:nvSpPr>
+          <p:cNvPr id="2" name="Rectangle: Rounded Corners 1">
+            <a:extLst>
+              <a:ext uri="{FF2B5EF4-FFF2-40B4-BE49-F238E27FC236}">
+                <a16:creationId xmlns:a16="http://schemas.microsoft.com/office/drawing/2014/main" id="{40752E20-C3D5-4E55-B1CA-FDA0FA72A95F}"/>
+              </a:ext>
+            </a:extLst>
+          </p:cNvPr>
+          <p:cNvSpPr/>
+          <p:nvPr/>
+        </p:nvSpPr>
+        <p:spPr>
+          <a:xfrm>
+            <a:off x="5565603" y="5797588"/>
+            <a:ext cx="2911703" cy="320857"/>
+          </a:xfrm>
+          <a:prstGeom prst="roundRect">
+            <a:avLst/>
+          </a:prstGeom>
+        </p:spPr>
+        <p:style>
+          <a:lnRef idx="2">
+            <a:schemeClr val="accent3">
+              <a:shade val="50000"/>
+            </a:schemeClr>
+          </a:lnRef>
+          <a:fillRef idx="1">
+            <a:schemeClr val="accent3"/>
+          </a:fillRef>
+          <a:effectRef idx="0">
+            <a:schemeClr val="accent3"/>
+          </a:effectRef>
+          <a:fontRef idx="minor">
+            <a:schemeClr val="lt1"/>
+          </a:fontRef>
+        </p:style>
+        <p:txBody>
+          <a:bodyPr rtlCol="0" anchor="ctr"/>
+          <a:lstStyle/>
+          <a:p>
+            <a:pPr algn="ctr"/>
+            <a:r>
+              <a:rPr lang="en-US" dirty="0"/>
+              <a:t>Native</a:t>
             </a:r>
           </a:p>
         </p:txBody>
